--- a/spring12/slidesS12/ran-vars-independence.pptx
+++ b/spring12/slidesS12/ran-vars-independence.pptx
@@ -4030,7 +4030,7 @@
           <a:graphicData uri="http://schemas.openxmlformats.org/presentationml/2006/ole">
             <mc:AlternateContent xmlns:mc="http://schemas.openxmlformats.org/markup-compatibility/2006">
               <mc:Choice xmlns:v="urn:schemas-microsoft-com:vml" Requires="v">
-                <p:oleObj spid="_x0000_s484377" name="Equation" r:id="rId4" imgW="2133600" imgH="533400" progId="Equation.DSMT4">
+                <p:oleObj spid="_x0000_s484380" name="Equation" r:id="rId4" imgW="2133600" imgH="533400" progId="Equation.DSMT4">
                   <p:embed/>
                 </p:oleObj>
               </mc:Choice>
@@ -5517,12 +5517,20 @@
                   <a:schemeClr val="tx2"/>
                 </a:solidFill>
               </a:rPr>
-              <a:t>are mutually </a:t>
+              <a:t>are </a:t>
+            </a:r>
+            <a:r>
+              <a:rPr lang="en-US" sz="5400" dirty="0" smtClean="0">
+                <a:solidFill>
+                  <a:srgbClr val="660066"/>
+                </a:solidFill>
+              </a:rPr>
+              <a:t>mutually </a:t>
             </a:r>
             <a:r>
               <a:rPr lang="en-US" sz="5400" dirty="0" err="1" smtClean="0">
                 <a:solidFill>
-                  <a:schemeClr val="tx2"/>
+                  <a:srgbClr val="660066"/>
                 </a:solidFill>
               </a:rPr>
               <a:t>indep</a:t>
@@ -6135,8 +6143,8 @@
         </p:nvSpPr>
         <p:spPr>
           <a:xfrm>
-            <a:off x="261938" y="1284288"/>
-            <a:ext cx="8583612" cy="4294187"/>
+            <a:off x="190500" y="903288"/>
+            <a:ext cx="8750300" cy="5281612"/>
           </a:xfrm>
         </p:spPr>
         <p:txBody>
@@ -6150,7 +6158,22 @@
             </a:pPr>
             <a:r>
               <a:rPr lang="en-US" sz="6000" dirty="0" smtClean="0"/>
-              <a:t>Pr{</a:t>
+              <a:t>Alternatively:</a:t>
+            </a:r>
+          </a:p>
+          <a:p>
+            <a:pPr eaLnBrk="1" hangingPunct="1">
+              <a:lnSpc>
+                <a:spcPct val="90000"/>
+              </a:lnSpc>
+            </a:pPr>
+            <a:r>
+              <a:rPr lang="en-US" sz="6000" dirty="0" err="1" smtClean="0"/>
+              <a:t>Pr</a:t>
+            </a:r>
+            <a:r>
+              <a:rPr lang="en-US" sz="6000" dirty="0" smtClean="0"/>
+              <a:t>{</a:t>
             </a:r>
             <a:r>
               <a:rPr lang="en-US" sz="6000" dirty="0" smtClean="0">
@@ -6363,10 +6386,12 @@
               <a:t>  </a:t>
             </a:r>
             <a:r>
-              <a:rPr lang="en-US" sz="6000" dirty="0" smtClean="0">
+              <a:rPr lang="en-US" sz="6000" b="1" dirty="0" smtClean="0">
                 <a:solidFill>
                   <a:schemeClr val="accent4"/>
                 </a:solidFill>
+                <a:latin typeface="Euclid Symbol" charset="2"/>
+                <a:cs typeface="Euclid Symbol" charset="2"/>
               </a:rPr>
               <a:t>=</a:t>
             </a:r>
@@ -6590,9 +6615,6 @@
                     <p:cTn id="3" fill="hold">
                       <p:stCondLst>
                         <p:cond delay="indefinite"/>
-                        <p:cond evt="onBegin" delay="0">
-                          <p:tn val="2"/>
-                        </p:cond>
                       </p:stCondLst>
                       <p:childTnLst>
                         <p:par>
@@ -6602,7 +6624,7 @@
                             </p:stCondLst>
                             <p:childTnLst>
                               <p:par>
-                                <p:cTn id="5" presetID="1" presetClass="entr" presetSubtype="0" fill="hold" nodeType="withEffect">
+                                <p:cTn id="5" presetID="22" presetClass="entr" presetSubtype="8" fill="hold" nodeType="clickEffect">
                                   <p:stCondLst>
                                     <p:cond delay="0"/>
                                   </p:stCondLst>
@@ -6610,37 +6632,6 @@
                                     <p:set>
                                       <p:cBhvr>
                                         <p:cTn id="6" dur="1" fill="hold">
-                                          <p:stCondLst>
-                                            <p:cond delay="0"/>
-                                          </p:stCondLst>
-                                        </p:cTn>
-                                        <p:tgtEl>
-                                          <p:spTgt spid="149507">
-                                            <p:txEl>
-                                              <p:pRg st="0" end="0"/>
-                                            </p:txEl>
-                                          </p:spTgt>
-                                        </p:tgtEl>
-                                        <p:attrNameLst>
-                                          <p:attrName>style.visibility</p:attrName>
-                                        </p:attrNameLst>
-                                      </p:cBhvr>
-                                      <p:to>
-                                        <p:strVal val="visible"/>
-                                      </p:to>
-                                    </p:set>
-                                  </p:childTnLst>
-                                </p:cTn>
-                              </p:par>
-                              <p:par>
-                                <p:cTn id="7" presetID="1" presetClass="entr" presetSubtype="0" fill="hold" nodeType="withEffect">
-                                  <p:stCondLst>
-                                    <p:cond delay="0"/>
-                                  </p:stCondLst>
-                                  <p:childTnLst>
-                                    <p:set>
-                                      <p:cBhvr>
-                                        <p:cTn id="8" dur="1" fill="hold">
                                           <p:stCondLst>
                                             <p:cond delay="0"/>
                                           </p:stCondLst>
@@ -6660,11 +6651,32 @@
                                         <p:strVal val="visible"/>
                                       </p:to>
                                     </p:set>
+                                    <p:animEffect transition="in" filter="wipe(left)">
+                                      <p:cBhvr>
+                                        <p:cTn id="7" dur="500"/>
+                                        <p:tgtEl>
+                                          <p:spTgt spid="149507">
+                                            <p:txEl>
+                                              <p:pRg st="1" end="1"/>
+                                            </p:txEl>
+                                          </p:spTgt>
+                                        </p:tgtEl>
+                                      </p:cBhvr>
+                                    </p:animEffect>
                                   </p:childTnLst>
                                 </p:cTn>
                               </p:par>
+                            </p:childTnLst>
+                          </p:cTn>
+                        </p:par>
+                        <p:par>
+                          <p:cTn id="8" fill="hold">
+                            <p:stCondLst>
+                              <p:cond delay="500"/>
+                            </p:stCondLst>
+                            <p:childTnLst>
                               <p:par>
-                                <p:cTn id="9" presetID="1" presetClass="entr" presetSubtype="0" fill="hold" nodeType="withEffect">
+                                <p:cTn id="9" presetID="22" presetClass="entr" presetSubtype="8" fill="hold" nodeType="afterEffect">
                                   <p:stCondLst>
                                     <p:cond delay="0"/>
                                   </p:stCondLst>
@@ -6691,18 +6703,48 @@
                                         <p:strVal val="visible"/>
                                       </p:to>
                                     </p:set>
+                                    <p:animEffect transition="in" filter="wipe(left)">
+                                      <p:cBhvr>
+                                        <p:cTn id="11" dur="500"/>
+                                        <p:tgtEl>
+                                          <p:spTgt spid="149507">
+                                            <p:txEl>
+                                              <p:pRg st="2" end="2"/>
+                                            </p:txEl>
+                                          </p:spTgt>
+                                        </p:tgtEl>
+                                      </p:cBhvr>
+                                    </p:animEffect>
                                   </p:childTnLst>
                                 </p:cTn>
                               </p:par>
+                            </p:childTnLst>
+                          </p:cTn>
+                        </p:par>
+                      </p:childTnLst>
+                    </p:cTn>
+                  </p:par>
+                  <p:par>
+                    <p:cTn id="12" fill="hold">
+                      <p:stCondLst>
+                        <p:cond delay="indefinite"/>
+                      </p:stCondLst>
+                      <p:childTnLst>
+                        <p:par>
+                          <p:cTn id="13" fill="hold">
+                            <p:stCondLst>
+                              <p:cond delay="0"/>
+                            </p:stCondLst>
+                            <p:childTnLst>
                               <p:par>
-                                <p:cTn id="11" presetID="1" presetClass="entr" presetSubtype="0" fill="hold" nodeType="withEffect">
+                                <p:cTn id="14" presetID="22" presetClass="entr" presetSubtype="8" fill="hold" nodeType="clickEffect">
                                   <p:stCondLst>
                                     <p:cond delay="0"/>
                                   </p:stCondLst>
                                   <p:childTnLst>
                                     <p:set>
                                       <p:cBhvr>
-                                        <p:cTn id="12" dur="1" fill="hold">
+                                        <p:cTn id="15" dur="1" fill="hold">
                                           <p:stCondLst>
                                             <p:cond delay="0"/>
                                           </p:stCondLst>
@@ -6722,6 +6764,70 @@
                                         <p:strVal val="visible"/>
                                       </p:to>
                                     </p:set>
+                                    <p:animEffect transition="in" filter="wipe(left)">
+                                      <p:cBhvr>
+                                        <p:cTn id="16" dur="500"/>
+                                        <p:tgtEl>
+                                          <p:spTgt spid="149507">
+                                            <p:txEl>
+                                              <p:pRg st="3" end="3"/>
+                                            </p:txEl>
+                                          </p:spTgt>
+                                        </p:tgtEl>
+                                      </p:cBhvr>
+                                    </p:animEffect>
+                                  </p:childTnLst>
+                                </p:cTn>
+                              </p:par>
+                            </p:childTnLst>
+                          </p:cTn>
+                        </p:par>
+                        <p:par>
+                          <p:cTn id="17" fill="hold">
+                            <p:stCondLst>
+                              <p:cond delay="500"/>
+                            </p:stCondLst>
+                            <p:childTnLst>
+                              <p:par>
+                                <p:cTn id="18" presetID="22" presetClass="entr" presetSubtype="8" fill="hold" nodeType="afterEffect">
+                                  <p:stCondLst>
+                                    <p:cond delay="0"/>
+                                  </p:stCondLst>
+                                  <p:childTnLst>
+                                    <p:set>
+                                      <p:cBhvr>
+                                        <p:cTn id="19" dur="1" fill="hold">
+                                          <p:stCondLst>
+                                            <p:cond delay="0"/>
+                                          </p:stCondLst>
+                                        </p:cTn>
+                                        <p:tgtEl>
+                                          <p:spTgt spid="149507">
+                                            <p:txEl>
+                                              <p:pRg st="4" end="4"/>
+                                            </p:txEl>
+                                          </p:spTgt>
+                                        </p:tgtEl>
+                                        <p:attrNameLst>
+                                          <p:attrName>style.visibility</p:attrName>
+                                        </p:attrNameLst>
+                                      </p:cBhvr>
+                                      <p:to>
+                                        <p:strVal val="visible"/>
+                                      </p:to>
+                                    </p:set>
+                                    <p:animEffect transition="in" filter="wipe(left)">
+                                      <p:cBhvr>
+                                        <p:cTn id="20" dur="500"/>
+                                        <p:tgtEl>
+                                          <p:spTgt spid="149507">
+                                            <p:txEl>
+                                              <p:pRg st="4" end="4"/>
+                                            </p:txEl>
+                                          </p:spTgt>
+                                        </p:tgtEl>
+                                      </p:cBhvr>
+                                    </p:animEffect>
                                   </p:childTnLst>
                                 </p:cTn>
                               </p:par>
@@ -6857,11 +6963,7 @@
             </a:r>
             <a:r>
               <a:rPr lang="en-US" dirty="0" smtClean="0"/>
-              <a:t>Independent </a:t>
-            </a:r>
-            <a:r>
-              <a:rPr lang="en-US" dirty="0" smtClean="0"/>
-              <a:t>Variables</a:t>
+              <a:t>Independent Variables</a:t>
             </a:r>
           </a:p>
         </p:txBody>
@@ -6988,9 +7090,18 @@
   <p:clrMapOvr>
     <a:masterClrMapping/>
   </p:clrMapOvr>
-  <p:transition xmlns:p14="http://schemas.microsoft.com/office/powerpoint/2010/main">
-    <p:fade/>
-  </p:transition>
+  <mc:AlternateContent xmlns:mc="http://schemas.openxmlformats.org/markup-compatibility/2006">
+    <mc:Choice xmlns:p14="http://schemas.microsoft.com/office/powerpoint/2010/main" Requires="p14">
+      <p:transition spd="slow" p14:dur="900">
+        <p:fade thruBlk="1"/>
+      </p:transition>
+    </mc:Choice>
+    <mc:Fallback>
+      <p:transition xmlns:p14="http://schemas.microsoft.com/office/powerpoint/2010/main" spd="slow">
+        <p:fade thruBlk="1"/>
+      </p:transition>
+    </mc:Fallback>
+  </mc:AlternateContent>
   <p:timing>
     <p:tnLst>
       <p:par>
@@ -7152,7 +7263,7 @@
         <p:spPr>
           <a:xfrm>
             <a:off x="177800" y="1295400"/>
-            <a:ext cx="8623300" cy="4775200"/>
+            <a:ext cx="8763000" cy="4533900"/>
           </a:xfrm>
         </p:spPr>
         <p:txBody>
@@ -7198,7 +7309,15 @@
                   <a:srgbClr val="0000FF"/>
                 </a:solidFill>
               </a:rPr>
-              <a:t> ∊[1,n]</a:t>
+              <a:t> ∊[1</a:t>
+            </a:r>
+            <a:r>
+              <a:rPr lang="en-US" sz="3600" dirty="0" smtClean="0">
+                <a:solidFill>
+                  <a:srgbClr val="0000FF"/>
+                </a:solidFill>
+              </a:rPr>
+              <a:t>,k]</a:t>
             </a:r>
             <a:endParaRPr lang="en-US" sz="3600" baseline="-25000" dirty="0">
               <a:solidFill>
@@ -7214,11 +7333,7 @@
             </a:r>
             <a:r>
               <a:rPr lang="en-US" sz="3600" dirty="0" smtClean="0"/>
-              <a:t>                            </a:t>
-            </a:r>
-            <a:r>
-              <a:rPr lang="en-US" sz="3600" dirty="0" smtClean="0"/>
-              <a:t>(mod 2 sum).</a:t>
+              <a:t>                            (mod 2 sum).</a:t>
             </a:r>
           </a:p>
           <a:p>
@@ -7275,13 +7390,13 @@
               <a:rPr lang="en-US" sz="4400" dirty="0"/>
               <a:t> </a:t>
             </a:r>
+            <a:endParaRPr lang="en-US" sz="4400" dirty="0" smtClean="0"/>
+          </a:p>
+          <a:p>
+            <a:pPr eaLnBrk="1" hangingPunct="1"/>
             <a:r>
               <a:rPr lang="en-US" sz="4400" dirty="0" smtClean="0"/>
-              <a:t>b</a:t>
-            </a:r>
-            <a:r>
-              <a:rPr lang="en-US" sz="4400" dirty="0" smtClean="0"/>
-              <a:t>ut</a:t>
+              <a:t>but</a:t>
             </a:r>
             <a:r>
               <a:rPr lang="en-US" sz="4400" dirty="0" smtClean="0">
@@ -7294,60 +7409,116 @@
             <a:r>
               <a:rPr lang="en-US" sz="4400" dirty="0" smtClean="0">
                 <a:solidFill>
-                  <a:srgbClr val="FF00FF"/>
-                </a:solidFill>
-              </a:rPr>
-              <a:t>any</a:t>
+                  <a:srgbClr val="FF0000"/>
+                </a:solidFill>
+              </a:rPr>
+              <a:t>not</a:t>
             </a:r>
             <a:r>
               <a:rPr lang="en-US" sz="4400" dirty="0" smtClean="0"/>
               <a:t> </a:t>
             </a:r>
             <a:r>
+              <a:rPr lang="en-US" sz="4400" dirty="0" smtClean="0">
+                <a:solidFill>
+                  <a:srgbClr val="0000FF"/>
+                </a:solidFill>
+              </a:rPr>
+              <a:t>k+1</a:t>
+            </a:r>
+            <a:r>
+              <a:rPr lang="en-US" sz="4400" dirty="0" smtClean="0"/>
+              <a:t>-way </a:t>
+            </a:r>
+            <a:r>
+              <a:rPr lang="en-US" sz="4400" dirty="0" smtClean="0"/>
+              <a:t>independent:</a:t>
+            </a:r>
+            <a:r>
+              <a:rPr lang="en-US" sz="4400" dirty="0"/>
+              <a:t> </a:t>
+            </a:r>
+            <a:endParaRPr lang="en-US" sz="4400" dirty="0" smtClean="0"/>
+          </a:p>
+          <a:p>
+            <a:pPr eaLnBrk="1" hangingPunct="1"/>
+            <a:r>
+              <a:rPr lang="en-US" sz="4400" dirty="0" smtClean="0">
+                <a:solidFill>
+                  <a:schemeClr val="tx2"/>
+                </a:solidFill>
+              </a:rPr>
+              <a:t>any</a:t>
+            </a:r>
+            <a:r>
+              <a:rPr lang="en-US" sz="4400" dirty="0" smtClean="0"/>
+              <a:t> </a:t>
+            </a:r>
+            <a:r>
               <a:rPr lang="en-US" sz="4400" dirty="0">
                 <a:solidFill>
+                  <a:srgbClr val="0000FF"/>
+                </a:solidFill>
+              </a:rPr>
+              <a:t>k</a:t>
+            </a:r>
+            <a:r>
+              <a:rPr lang="en-US" sz="4400" dirty="0">
+                <a:solidFill>
+                  <a:srgbClr val="FF6600"/>
+                </a:solidFill>
+              </a:rPr>
+              <a:t> </a:t>
+            </a:r>
+            <a:r>
+              <a:rPr lang="en-US" sz="4400" dirty="0">
+                <a:solidFill>
                   <a:srgbClr val="FF00FF"/>
                 </a:solidFill>
               </a:rPr>
-              <a:t>k</a:t>
+              <a:t>determine </a:t>
             </a:r>
             <a:r>
               <a:rPr lang="en-US" sz="4400" dirty="0" smtClean="0">
                 <a:solidFill>
-                  <a:srgbClr val="FF6600"/>
-                </a:solidFill>
-              </a:rPr>
-              <a:t> </a:t>
-            </a:r>
+                  <a:srgbClr val="FF00FF"/>
+                </a:solidFill>
+              </a:rPr>
+              <a:t>the </a:t>
+            </a:r>
+            <a:r>
+              <a:rPr lang="en-US" sz="4400" dirty="0">
+                <a:solidFill>
+                  <a:srgbClr val="FF00FF"/>
+                </a:solidFill>
+              </a:rPr>
+              <a:t>remaining </a:t>
+            </a:r>
+            <a:endParaRPr lang="en-US" sz="4400" dirty="0" smtClean="0">
+              <a:solidFill>
+                <a:srgbClr val="FF00FF"/>
+              </a:solidFill>
+            </a:endParaRPr>
+          </a:p>
+          <a:p>
+            <a:pPr eaLnBrk="1" hangingPunct="1"/>
             <a:r>
               <a:rPr lang="en-US" sz="4400" dirty="0" smtClean="0">
                 <a:solidFill>
                   <a:srgbClr val="FF00FF"/>
                 </a:solidFill>
               </a:rPr>
-              <a:t>determine </a:t>
-            </a:r>
-            <a:r>
-              <a:rPr lang="en-US" sz="4400" dirty="0" smtClean="0">
+              <a:t>one</a:t>
+            </a:r>
+            <a:r>
+              <a:rPr lang="en-US" sz="4400" dirty="0">
                 <a:solidFill>
                   <a:srgbClr val="FF00FF"/>
                 </a:solidFill>
               </a:rPr>
-              <a:t>the  </a:t>
-            </a:r>
-            <a:r>
-              <a:rPr lang="en-US" sz="4400" dirty="0" smtClean="0">
-                <a:solidFill>
-                  <a:srgbClr val="FF00FF"/>
-                </a:solidFill>
-              </a:rPr>
-              <a:t>remaining one, </a:t>
-            </a:r>
-            <a:r>
-              <a:rPr lang="en-US" sz="4400" dirty="0" smtClean="0"/>
-              <a:t>so not k+1-way independent.</a:t>
-            </a:r>
-            <a:endParaRPr lang="en-US" sz="4400" dirty="0" smtClean="0"/>
+              <a:t>.</a:t>
+            </a:r>
+            <a:endParaRPr lang="en-US" sz="4400" dirty="0"/>
           </a:p>
         </p:txBody>
       </p:sp>
@@ -7546,7 +7717,7 @@
           <p:nvPr>
             <p:extLst>
               <p:ext uri="{D42A27DB-BD31-4B8C-83A1-F6EECF244321}">
-                <p14:modId xmlns:p14="http://schemas.microsoft.com/office/powerpoint/2010/main" val="4137863574"/>
+                <p14:modId xmlns:p14="http://schemas.microsoft.com/office/powerpoint/2010/main" val="3632956213"/>
               </p:ext>
             </p:extLst>
           </p:nvPr>
@@ -7559,7 +7730,7 @@
           <a:graphicData uri="http://schemas.openxmlformats.org/presentationml/2006/ole">
             <mc:AlternateContent xmlns:mc="http://schemas.openxmlformats.org/markup-compatibility/2006">
               <mc:Choice xmlns:v="urn:schemas-microsoft-com:vml" Requires="v">
-                <p:oleObj spid="_x0000_s1031" name="Equation" r:id="rId4" imgW="774700" imgH="292100" progId="Equation.DSMT4">
+                <p:oleObj spid="_x0000_s1036" name="Equation" r:id="rId4" imgW="774700" imgH="292100" progId="Equation.DSMT4">
                   <p:embed/>
                 </p:oleObj>
               </mc:Choice>
@@ -7619,9 +7790,6 @@
                     <p:cTn id="3" fill="hold">
                       <p:stCondLst>
                         <p:cond delay="indefinite"/>
-                        <p:cond evt="onBegin" delay="0">
-                          <p:tn val="2"/>
-                        </p:cond>
                       </p:stCondLst>
                       <p:childTnLst>
                         <p:par>
@@ -7631,7 +7799,7 @@
                             </p:stCondLst>
                             <p:childTnLst>
                               <p:par>
-                                <p:cTn id="5" presetID="22" presetClass="entr" presetSubtype="8" fill="hold" grpId="0" nodeType="afterEffect">
+                                <p:cTn id="5" presetID="22" presetClass="entr" presetSubtype="8" fill="hold" nodeType="clickEffect">
                                   <p:stCondLst>
                                     <p:cond delay="0"/>
                                   </p:stCondLst>
@@ -7644,11 +7812,7 @@
                                           </p:stCondLst>
                                         </p:cTn>
                                         <p:tgtEl>
-                                          <p:spTgt spid="150531">
-                                            <p:txEl>
-                                              <p:pRg st="0" end="0"/>
-                                            </p:txEl>
-                                          </p:spTgt>
+                                          <p:spTgt spid="2"/>
                                         </p:tgtEl>
                                         <p:attrNameLst>
                                           <p:attrName>style.visibility</p:attrName>
@@ -7662,11 +7826,7 @@
                                       <p:cBhvr>
                                         <p:cTn id="7" dur="500"/>
                                         <p:tgtEl>
-                                          <p:spTgt spid="150531">
-                                            <p:txEl>
-                                              <p:pRg st="0" end="0"/>
-                                            </p:txEl>
-                                          </p:spTgt>
+                                          <p:spTgt spid="2"/>
                                         </p:tgtEl>
                                       </p:cBhvr>
                                     </p:animEffect>
@@ -7792,6 +7952,171 @@
                       </p:childTnLst>
                     </p:cTn>
                   </p:par>
+                  <p:par>
+                    <p:cTn id="17" fill="hold">
+                      <p:stCondLst>
+                        <p:cond delay="indefinite"/>
+                      </p:stCondLst>
+                      <p:childTnLst>
+                        <p:par>
+                          <p:cTn id="18" fill="hold">
+                            <p:stCondLst>
+                              <p:cond delay="0"/>
+                            </p:stCondLst>
+                            <p:childTnLst>
+                              <p:par>
+                                <p:cTn id="19" presetID="9" presetClass="entr" presetSubtype="0" fill="hold" grpId="0" nodeType="clickEffect">
+                                  <p:stCondLst>
+                                    <p:cond delay="0"/>
+                                  </p:stCondLst>
+                                  <p:childTnLst>
+                                    <p:set>
+                                      <p:cBhvr>
+                                        <p:cTn id="20" dur="1" fill="hold">
+                                          <p:stCondLst>
+                                            <p:cond delay="0"/>
+                                          </p:stCondLst>
+                                        </p:cTn>
+                                        <p:tgtEl>
+                                          <p:spTgt spid="150531">
+                                            <p:txEl>
+                                              <p:pRg st="3" end="3"/>
+                                            </p:txEl>
+                                          </p:spTgt>
+                                        </p:tgtEl>
+                                        <p:attrNameLst>
+                                          <p:attrName>style.visibility</p:attrName>
+                                        </p:attrNameLst>
+                                      </p:cBhvr>
+                                      <p:to>
+                                        <p:strVal val="visible"/>
+                                      </p:to>
+                                    </p:set>
+                                    <p:animEffect transition="in" filter="dissolve">
+                                      <p:cBhvr>
+                                        <p:cTn id="21" dur="500"/>
+                                        <p:tgtEl>
+                                          <p:spTgt spid="150531">
+                                            <p:txEl>
+                                              <p:pRg st="3" end="3"/>
+                                            </p:txEl>
+                                          </p:spTgt>
+                                        </p:tgtEl>
+                                      </p:cBhvr>
+                                    </p:animEffect>
+                                  </p:childTnLst>
+                                </p:cTn>
+                              </p:par>
+                            </p:childTnLst>
+                          </p:cTn>
+                        </p:par>
+                      </p:childTnLst>
+                    </p:cTn>
+                  </p:par>
+                  <p:par>
+                    <p:cTn id="22" fill="hold">
+                      <p:stCondLst>
+                        <p:cond delay="indefinite"/>
+                      </p:stCondLst>
+                      <p:childTnLst>
+                        <p:par>
+                          <p:cTn id="23" fill="hold">
+                            <p:stCondLst>
+                              <p:cond delay="0"/>
+                            </p:stCondLst>
+                            <p:childTnLst>
+                              <p:par>
+                                <p:cTn id="24" presetID="9" presetClass="entr" presetSubtype="0" fill="hold" grpId="0" nodeType="clickEffect">
+                                  <p:stCondLst>
+                                    <p:cond delay="0"/>
+                                  </p:stCondLst>
+                                  <p:childTnLst>
+                                    <p:set>
+                                      <p:cBhvr>
+                                        <p:cTn id="25" dur="1" fill="hold">
+                                          <p:stCondLst>
+                                            <p:cond delay="0"/>
+                                          </p:stCondLst>
+                                        </p:cTn>
+                                        <p:tgtEl>
+                                          <p:spTgt spid="150531">
+                                            <p:txEl>
+                                              <p:pRg st="4" end="4"/>
+                                            </p:txEl>
+                                          </p:spTgt>
+                                        </p:tgtEl>
+                                        <p:attrNameLst>
+                                          <p:attrName>style.visibility</p:attrName>
+                                        </p:attrNameLst>
+                                      </p:cBhvr>
+                                      <p:to>
+                                        <p:strVal val="visible"/>
+                                      </p:to>
+                                    </p:set>
+                                    <p:animEffect transition="in" filter="dissolve">
+                                      <p:cBhvr>
+                                        <p:cTn id="26" dur="500"/>
+                                        <p:tgtEl>
+                                          <p:spTgt spid="150531">
+                                            <p:txEl>
+                                              <p:pRg st="4" end="4"/>
+                                            </p:txEl>
+                                          </p:spTgt>
+                                        </p:tgtEl>
+                                      </p:cBhvr>
+                                    </p:animEffect>
+                                  </p:childTnLst>
+                                </p:cTn>
+                              </p:par>
+                              <p:par>
+                                <p:cTn id="27" presetID="9" presetClass="entr" presetSubtype="0" fill="hold" grpId="0" nodeType="withEffect">
+                                  <p:stCondLst>
+                                    <p:cond delay="0"/>
+                                  </p:stCondLst>
+                                  <p:childTnLst>
+                                    <p:set>
+                                      <p:cBhvr>
+                                        <p:cTn id="28" dur="1" fill="hold">
+                                          <p:stCondLst>
+                                            <p:cond delay="0"/>
+                                          </p:stCondLst>
+                                        </p:cTn>
+                                        <p:tgtEl>
+                                          <p:spTgt spid="150531">
+                                            <p:txEl>
+                                              <p:pRg st="5" end="5"/>
+                                            </p:txEl>
+                                          </p:spTgt>
+                                        </p:tgtEl>
+                                        <p:attrNameLst>
+                                          <p:attrName>style.visibility</p:attrName>
+                                        </p:attrNameLst>
+                                      </p:cBhvr>
+                                      <p:to>
+                                        <p:strVal val="visible"/>
+                                      </p:to>
+                                    </p:set>
+                                    <p:animEffect transition="in" filter="dissolve">
+                                      <p:cBhvr>
+                                        <p:cTn id="29" dur="500"/>
+                                        <p:tgtEl>
+                                          <p:spTgt spid="150531">
+                                            <p:txEl>
+                                              <p:pRg st="5" end="5"/>
+                                            </p:txEl>
+                                          </p:spTgt>
+                                        </p:tgtEl>
+                                      </p:cBhvr>
+                                    </p:animEffect>
+                                  </p:childTnLst>
+                                </p:cTn>
+                              </p:par>
+                            </p:childTnLst>
+                          </p:cTn>
+                        </p:par>
+                      </p:childTnLst>
+                    </p:cTn>
+                  </p:par>
                 </p:childTnLst>
               </p:cTn>
               <p:prevCondLst>
@@ -7884,15 +8209,24 @@
             <p:ph type="title" idx="4294967295"/>
           </p:nvPr>
         </p:nvSpPr>
-        <p:spPr/>
+        <p:spPr>
+          <a:xfrm>
+            <a:off x="1193800" y="225425"/>
+            <a:ext cx="7721600" cy="777875"/>
+          </a:xfrm>
+        </p:spPr>
         <p:txBody>
           <a:bodyPr/>
           <a:lstStyle/>
           <a:p>
             <a:pPr eaLnBrk="1" hangingPunct="1"/>
             <a:r>
-              <a:rPr lang="en-US" smtClean="0"/>
-              <a:t>Independent Variables</a:t>
+              <a:rPr lang="en-US" sz="3600" dirty="0" smtClean="0"/>
+              <a:t>Pairwise Independent </a:t>
+            </a:r>
+            <a:r>
+              <a:rPr lang="en-US" sz="3600" dirty="0" smtClean="0"/>
+              <a:t>Variables</a:t>
             </a:r>
           </a:p>
         </p:txBody>
@@ -7919,14 +8253,14 @@
           <a:p>
             <a:pPr eaLnBrk="1" hangingPunct="1"/>
             <a:r>
-              <a:rPr lang="en-US" smtClean="0"/>
+              <a:rPr lang="en-US" dirty="0" smtClean="0"/>
               <a:t>Pairwise Independence sufficient for major applications (in later lecture).</a:t>
             </a:r>
           </a:p>
           <a:p>
             <a:pPr eaLnBrk="1" hangingPunct="1"/>
             <a:r>
-              <a:rPr lang="en-US" smtClean="0"/>
+              <a:rPr lang="en-US" dirty="0" smtClean="0"/>
               <a:t>Good to know, since pairwise holds in important cases where mutual does not.</a:t>
             </a:r>
           </a:p>
@@ -7961,7 +8295,7 @@
                             </p:stCondLst>
                             <p:childTnLst>
                               <p:par>
-                                <p:cTn id="5" presetID="1" presetClass="entr" presetSubtype="0" fill="hold" nodeType="clickEffect">
+                                <p:cTn id="5" presetID="9" presetClass="entr" presetSubtype="0" fill="hold" nodeType="clickEffect">
                                   <p:stCondLst>
                                     <p:cond delay="0"/>
                                   </p:stCondLst>
@@ -7988,6 +8322,18 @@
                                         <p:strVal val="visible"/>
                                       </p:to>
                                     </p:set>
+                                    <p:animEffect transition="in" filter="dissolve">
+                                      <p:cBhvr>
+                                        <p:cTn id="7" dur="500"/>
+                                        <p:tgtEl>
+                                          <p:spTgt spid="151555">
+                                            <p:txEl>
+                                              <p:pRg st="1" end="1"/>
+                                            </p:txEl>
+                                          </p:spTgt>
+                                        </p:tgtEl>
+                                      </p:cBhvr>
+                                    </p:animEffect>
                                   </p:childTnLst>
                                 </p:cTn>
                               </p:par>
@@ -9005,7 +9351,7 @@
           <a:graphicData uri="http://schemas.openxmlformats.org/presentationml/2006/ole">
             <mc:AlternateContent xmlns:mc="http://schemas.openxmlformats.org/markup-compatibility/2006">
               <mc:Choice xmlns:v="urn:schemas-microsoft-com:vml" Requires="v">
-                <p:oleObj spid="_x0000_s6169" name="Equation" r:id="rId4" imgW="1638000" imgH="507960" progId="Equation.DSMT4">
+                <p:oleObj spid="_x0000_s6172" name="Equation" r:id="rId4" imgW="1638000" imgH="507960" progId="Equation.DSMT4">
                   <p:embed/>
                 </p:oleObj>
               </mc:Choice>
@@ -10812,7 +11158,7 @@
                             </p:stCondLst>
                             <p:childTnLst>
                               <p:par>
-                                <p:cTn id="5" presetID="1" presetClass="entr" presetSubtype="0" fill="hold" nodeType="clickEffect">
+                                <p:cTn id="5" presetID="9" presetClass="entr" presetSubtype="0" fill="hold" nodeType="clickEffect">
                                   <p:stCondLst>
                                     <p:cond delay="0"/>
                                   </p:stCondLst>
@@ -10839,18 +11185,30 @@
                                         <p:strVal val="visible"/>
                                       </p:to>
                                     </p:set>
+                                    <p:animEffect transition="in" filter="dissolve">
+                                      <p:cBhvr>
+                                        <p:cTn id="7" dur="500"/>
+                                        <p:tgtEl>
+                                          <p:spTgt spid="2">
+                                            <p:txEl>
+                                              <p:pRg st="0" end="0"/>
+                                            </p:txEl>
+                                          </p:spTgt>
+                                        </p:tgtEl>
+                                      </p:cBhvr>
+                                    </p:animEffect>
                                   </p:childTnLst>
                                 </p:cTn>
                               </p:par>
                               <p:par>
-                                <p:cTn id="7" presetID="1" presetClass="entr" presetSubtype="0" fill="hold" nodeType="withEffect">
+                                <p:cTn id="8" presetID="9" presetClass="entr" presetSubtype="0" fill="hold" nodeType="withEffect">
                                   <p:stCondLst>
                                     <p:cond delay="0"/>
                                   </p:stCondLst>
                                   <p:childTnLst>
                                     <p:set>
                                       <p:cBhvr>
-                                        <p:cTn id="8" dur="1" fill="hold">
+                                        <p:cTn id="9" dur="1" fill="hold">
                                           <p:stCondLst>
                                             <p:cond delay="0"/>
                                           </p:stCondLst>
@@ -10870,6 +11228,18 @@
                                         <p:strVal val="visible"/>
                                       </p:to>
                                     </p:set>
+                                    <p:animEffect transition="in" filter="dissolve">
+                                      <p:cBhvr>
+                                        <p:cTn id="10" dur="500"/>
+                                        <p:tgtEl>
+                                          <p:spTgt spid="2">
+                                            <p:txEl>
+                                              <p:pRg st="1" end="1"/>
+                                            </p:txEl>
+                                          </p:spTgt>
+                                        </p:tgtEl>
+                                      </p:cBhvr>
+                                    </p:animEffect>
                                   </p:childTnLst>
                                 </p:cTn>
                               </p:par>
@@ -10880,26 +11250,26 @@
                     </p:cTn>
                   </p:par>
                   <p:par>
-                    <p:cTn id="9" fill="hold">
+                    <p:cTn id="11" fill="hold">
                       <p:stCondLst>
                         <p:cond delay="indefinite"/>
                       </p:stCondLst>
                       <p:childTnLst>
                         <p:par>
-                          <p:cTn id="10" fill="hold">
+                          <p:cTn id="12" fill="hold">
                             <p:stCondLst>
                               <p:cond delay="0"/>
                             </p:stCondLst>
                             <p:childTnLst>
                               <p:par>
-                                <p:cTn id="11" presetID="1" presetClass="entr" presetSubtype="0" fill="hold" nodeType="clickEffect">
+                                <p:cTn id="13" presetID="9" presetClass="entr" presetSubtype="0" fill="hold" nodeType="clickEffect">
                                   <p:stCondLst>
                                     <p:cond delay="0"/>
                                   </p:stCondLst>
                                   <p:childTnLst>
                                     <p:set>
                                       <p:cBhvr>
-                                        <p:cTn id="12" dur="1" fill="hold">
+                                        <p:cTn id="14" dur="1" fill="hold">
                                           <p:stCondLst>
                                             <p:cond delay="0"/>
                                           </p:stCondLst>
@@ -10919,18 +11289,30 @@
                                         <p:strVal val="visible"/>
                                       </p:to>
                                     </p:set>
+                                    <p:animEffect transition="in" filter="dissolve">
+                                      <p:cBhvr>
+                                        <p:cTn id="15" dur="500"/>
+                                        <p:tgtEl>
+                                          <p:spTgt spid="2">
+                                            <p:txEl>
+                                              <p:pRg st="2" end="2"/>
+                                            </p:txEl>
+                                          </p:spTgt>
+                                        </p:tgtEl>
+                                      </p:cBhvr>
+                                    </p:animEffect>
                                   </p:childTnLst>
                                 </p:cTn>
                               </p:par>
                               <p:par>
-                                <p:cTn id="13" presetID="1" presetClass="entr" presetSubtype="0" fill="hold" nodeType="withEffect">
+                                <p:cTn id="16" presetID="9" presetClass="entr" presetSubtype="0" fill="hold" nodeType="withEffect">
                                   <p:stCondLst>
                                     <p:cond delay="0"/>
                                   </p:stCondLst>
                                   <p:childTnLst>
                                     <p:set>
                                       <p:cBhvr>
-                                        <p:cTn id="14" dur="1" fill="hold">
+                                        <p:cTn id="17" dur="1" fill="hold">
                                           <p:stCondLst>
                                             <p:cond delay="0"/>
                                           </p:stCondLst>
@@ -10950,18 +11332,30 @@
                                         <p:strVal val="visible"/>
                                       </p:to>
                                     </p:set>
+                                    <p:animEffect transition="in" filter="dissolve">
+                                      <p:cBhvr>
+                                        <p:cTn id="18" dur="500"/>
+                                        <p:tgtEl>
+                                          <p:spTgt spid="2">
+                                            <p:txEl>
+                                              <p:pRg st="3" end="3"/>
+                                            </p:txEl>
+                                          </p:spTgt>
+                                        </p:tgtEl>
+                                      </p:cBhvr>
+                                    </p:animEffect>
                                   </p:childTnLst>
                                 </p:cTn>
                               </p:par>
                               <p:par>
-                                <p:cTn id="15" presetID="1" presetClass="entr" presetSubtype="0" fill="hold" nodeType="withEffect">
+                                <p:cTn id="19" presetID="9" presetClass="entr" presetSubtype="0" fill="hold" nodeType="withEffect">
                                   <p:stCondLst>
                                     <p:cond delay="0"/>
                                   </p:stCondLst>
                                   <p:childTnLst>
                                     <p:set>
                                       <p:cBhvr>
-                                        <p:cTn id="16" dur="1" fill="hold">
+                                        <p:cTn id="20" dur="1" fill="hold">
                                           <p:stCondLst>
                                             <p:cond delay="0"/>
                                           </p:stCondLst>
@@ -10981,6 +11375,18 @@
                                         <p:strVal val="visible"/>
                                       </p:to>
                                     </p:set>
+                                    <p:animEffect transition="in" filter="dissolve">
+                                      <p:cBhvr>
+                                        <p:cTn id="21" dur="500"/>
+                                        <p:tgtEl>
+                                          <p:spTgt spid="2">
+                                            <p:txEl>
+                                              <p:pRg st="4" end="4"/>
+                                            </p:txEl>
+                                          </p:spTgt>
+                                        </p:tgtEl>
+                                      </p:cBhvr>
+                                    </p:animEffect>
                                   </p:childTnLst>
                                 </p:cTn>
                               </p:par>
